--- a/CalendarioAgo20L/presentaciones/8_For.pptx
+++ b/CalendarioAgo20L/presentaciones/8_For.pptx
@@ -229,7 +229,7 @@
           <a:p>
             <a:fld id="{6850521A-C27A-4838-9C91-787748A77EFD}" type="datetimeFigureOut">
               <a:rPr lang="es-MX" smtClean="0"/>
-              <a:t>30/07/2020</a:t>
+              <a:t>30/08/2020</a:t>
             </a:fld>
             <a:endParaRPr lang="es-MX"/>
           </a:p>
@@ -1938,7 +1938,7 @@
           <a:p>
             <a:fld id="{25BC5239-EFEC-4EF5-AB4E-B8ED16D8832D}" type="datetimeFigureOut">
               <a:rPr lang="es-MX" smtClean="0"/>
-              <a:t>30/07/2020</a:t>
+              <a:t>30/08/2020</a:t>
             </a:fld>
             <a:endParaRPr lang="es-MX"/>
           </a:p>
@@ -2108,7 +2108,7 @@
           <a:p>
             <a:fld id="{25BC5239-EFEC-4EF5-AB4E-B8ED16D8832D}" type="datetimeFigureOut">
               <a:rPr lang="es-MX" smtClean="0"/>
-              <a:t>30/07/2020</a:t>
+              <a:t>30/08/2020</a:t>
             </a:fld>
             <a:endParaRPr lang="es-MX"/>
           </a:p>
@@ -2288,7 +2288,7 @@
           <a:p>
             <a:fld id="{25BC5239-EFEC-4EF5-AB4E-B8ED16D8832D}" type="datetimeFigureOut">
               <a:rPr lang="es-MX" smtClean="0"/>
-              <a:t>30/07/2020</a:t>
+              <a:t>30/08/2020</a:t>
             </a:fld>
             <a:endParaRPr lang="es-MX"/>
           </a:p>
@@ -2669,7 +2669,7 @@
           <a:p>
             <a:fld id="{1D8BD707-D9CF-40AE-B4C6-C98DA3205C09}" type="datetimeFigureOut">
               <a:rPr lang="en-US" smtClean="0"/>
-              <a:t>7/30/2020</a:t>
+              <a:t>8/30/2020</a:t>
             </a:fld>
             <a:endParaRPr lang="en-US"/>
           </a:p>
@@ -2829,7 +2829,7 @@
           <a:p>
             <a:fld id="{25BC5239-EFEC-4EF5-AB4E-B8ED16D8832D}" type="datetimeFigureOut">
               <a:rPr lang="es-MX" smtClean="0"/>
-              <a:t>30/07/2020</a:t>
+              <a:t>30/08/2020</a:t>
             </a:fld>
             <a:endParaRPr lang="es-MX"/>
           </a:p>
@@ -3075,7 +3075,7 @@
           <a:p>
             <a:fld id="{25BC5239-EFEC-4EF5-AB4E-B8ED16D8832D}" type="datetimeFigureOut">
               <a:rPr lang="es-MX" smtClean="0"/>
-              <a:t>30/07/2020</a:t>
+              <a:t>30/08/2020</a:t>
             </a:fld>
             <a:endParaRPr lang="es-MX"/>
           </a:p>
@@ -3363,7 +3363,7 @@
           <a:p>
             <a:fld id="{25BC5239-EFEC-4EF5-AB4E-B8ED16D8832D}" type="datetimeFigureOut">
               <a:rPr lang="es-MX" smtClean="0"/>
-              <a:t>30/07/2020</a:t>
+              <a:t>30/08/2020</a:t>
             </a:fld>
             <a:endParaRPr lang="es-MX"/>
           </a:p>
@@ -3785,7 +3785,7 @@
           <a:p>
             <a:fld id="{25BC5239-EFEC-4EF5-AB4E-B8ED16D8832D}" type="datetimeFigureOut">
               <a:rPr lang="es-MX" smtClean="0"/>
-              <a:t>30/07/2020</a:t>
+              <a:t>30/08/2020</a:t>
             </a:fld>
             <a:endParaRPr lang="es-MX"/>
           </a:p>
@@ -3903,7 +3903,7 @@
           <a:p>
             <a:fld id="{25BC5239-EFEC-4EF5-AB4E-B8ED16D8832D}" type="datetimeFigureOut">
               <a:rPr lang="es-MX" smtClean="0"/>
-              <a:t>30/07/2020</a:t>
+              <a:t>30/08/2020</a:t>
             </a:fld>
             <a:endParaRPr lang="es-MX"/>
           </a:p>
@@ -3998,7 +3998,7 @@
           <a:p>
             <a:fld id="{25BC5239-EFEC-4EF5-AB4E-B8ED16D8832D}" type="datetimeFigureOut">
               <a:rPr lang="es-MX" smtClean="0"/>
-              <a:t>30/07/2020</a:t>
+              <a:t>30/08/2020</a:t>
             </a:fld>
             <a:endParaRPr lang="es-MX"/>
           </a:p>
@@ -4275,7 +4275,7 @@
           <a:p>
             <a:fld id="{25BC5239-EFEC-4EF5-AB4E-B8ED16D8832D}" type="datetimeFigureOut">
               <a:rPr lang="es-MX" smtClean="0"/>
-              <a:t>30/07/2020</a:t>
+              <a:t>30/08/2020</a:t>
             </a:fld>
             <a:endParaRPr lang="es-MX"/>
           </a:p>
@@ -4528,7 +4528,7 @@
           <a:p>
             <a:fld id="{25BC5239-EFEC-4EF5-AB4E-B8ED16D8832D}" type="datetimeFigureOut">
               <a:rPr lang="es-MX" smtClean="0"/>
-              <a:t>30/07/2020</a:t>
+              <a:t>30/08/2020</a:t>
             </a:fld>
             <a:endParaRPr lang="es-MX"/>
           </a:p>
@@ -4741,7 +4741,7 @@
           <a:p>
             <a:fld id="{25BC5239-EFEC-4EF5-AB4E-B8ED16D8832D}" type="datetimeFigureOut">
               <a:rPr lang="es-MX" smtClean="0"/>
-              <a:t>30/07/2020</a:t>
+              <a:t>30/08/2020</a:t>
             </a:fld>
             <a:endParaRPr lang="es-MX"/>
           </a:p>
@@ -7878,7 +7878,7 @@
                 </a:solidFill>
                 <a:cs typeface="Calibri"/>
               </a:rPr>
-              <a:t>Definir el procedimiento </a:t>
+              <a:t>Definir la función </a:t>
             </a:r>
             <a:r>
               <a:rPr lang="es-MX" sz="2400" b="1" spc="-20" dirty="0">
@@ -8143,36 +8143,6 @@
           </a:p>
         </p:txBody>
       </p:sp>
-      <p:pic>
-        <p:nvPicPr>
-          <p:cNvPr id="4" name="Imagen 3">
-            <a:extLst>
-              <a:ext uri="{FF2B5EF4-FFF2-40B4-BE49-F238E27FC236}">
-                <a16:creationId xmlns:a16="http://schemas.microsoft.com/office/drawing/2014/main" id="{065F0205-D753-4ECD-8EE9-DD7CB0E3F9C3}"/>
-              </a:ext>
-            </a:extLst>
-          </p:cNvPr>
-          <p:cNvPicPr>
-            <a:picLocks noChangeAspect="1"/>
-          </p:cNvPicPr>
-          <p:nvPr/>
-        </p:nvPicPr>
-        <p:blipFill>
-          <a:blip r:embed="rId3"/>
-          <a:stretch>
-            <a:fillRect/>
-          </a:stretch>
-        </p:blipFill>
-        <p:spPr>
-          <a:xfrm>
-            <a:off x="2802308" y="2529965"/>
-            <a:ext cx="5397044" cy="1872208"/>
-          </a:xfrm>
-          <a:prstGeom prst="rect">
-            <a:avLst/>
-          </a:prstGeom>
-        </p:spPr>
-      </p:pic>
       <p:sp>
         <p:nvSpPr>
           <p:cNvPr id="9" name="object 2">
@@ -8189,6 +8159,43 @@
           <a:xfrm>
             <a:off x="0" y="1160525"/>
             <a:ext cx="940308" cy="896112"/>
+          </a:xfrm>
+          <a:prstGeom prst="rect">
+            <a:avLst/>
+          </a:prstGeom>
+          <a:blipFill>
+            <a:blip r:embed="rId3" cstate="print"/>
+            <a:stretch>
+              <a:fillRect/>
+            </a:stretch>
+          </a:blipFill>
+        </p:spPr>
+        <p:txBody>
+          <a:bodyPr wrap="square" lIns="0" tIns="0" rIns="0" bIns="0" rtlCol="0">
+            <a:noAutofit/>
+          </a:bodyPr>
+          <a:lstStyle/>
+          <a:p>
+            <a:endParaRPr dirty="0"/>
+          </a:p>
+        </p:txBody>
+      </p:sp>
+      <p:sp>
+        <p:nvSpPr>
+          <p:cNvPr id="10" name="object 3">
+            <a:extLst>
+              <a:ext uri="{FF2B5EF4-FFF2-40B4-BE49-F238E27FC236}">
+                <a16:creationId xmlns:a16="http://schemas.microsoft.com/office/drawing/2014/main" id="{E002D472-7157-46A4-9BE7-04783659D857}"/>
+              </a:ext>
+            </a:extLst>
+          </p:cNvPr>
+          <p:cNvSpPr/>
+          <p:nvPr/>
+        </p:nvSpPr>
+        <p:spPr>
+          <a:xfrm>
+            <a:off x="420623" y="2533650"/>
+            <a:ext cx="2065020" cy="1789176"/>
           </a:xfrm>
           <a:prstGeom prst="rect">
             <a:avLst/>
@@ -8212,43 +8219,6 @@
       </p:sp>
       <p:sp>
         <p:nvSpPr>
-          <p:cNvPr id="10" name="object 3">
-            <a:extLst>
-              <a:ext uri="{FF2B5EF4-FFF2-40B4-BE49-F238E27FC236}">
-                <a16:creationId xmlns:a16="http://schemas.microsoft.com/office/drawing/2014/main" id="{E002D472-7157-46A4-9BE7-04783659D857}"/>
-              </a:ext>
-            </a:extLst>
-          </p:cNvPr>
-          <p:cNvSpPr/>
-          <p:nvPr/>
-        </p:nvSpPr>
-        <p:spPr>
-          <a:xfrm>
-            <a:off x="420623" y="2533650"/>
-            <a:ext cx="2065020" cy="1789176"/>
-          </a:xfrm>
-          <a:prstGeom prst="rect">
-            <a:avLst/>
-          </a:prstGeom>
-          <a:blipFill>
-            <a:blip r:embed="rId5" cstate="print"/>
-            <a:stretch>
-              <a:fillRect/>
-            </a:stretch>
-          </a:blipFill>
-        </p:spPr>
-        <p:txBody>
-          <a:bodyPr wrap="square" lIns="0" tIns="0" rIns="0" bIns="0" rtlCol="0">
-            <a:noAutofit/>
-          </a:bodyPr>
-          <a:lstStyle/>
-          <a:p>
-            <a:endParaRPr dirty="0"/>
-          </a:p>
-        </p:txBody>
-      </p:sp>
-      <p:sp>
-        <p:nvSpPr>
           <p:cNvPr id="11" name="object 4">
             <a:extLst>
               <a:ext uri="{FF2B5EF4-FFF2-40B4-BE49-F238E27FC236}">
@@ -8268,7 +8238,7 @@
             <a:avLst/>
           </a:prstGeom>
           <a:blipFill>
-            <a:blip r:embed="rId6" cstate="print"/>
+            <a:blip r:embed="rId5" cstate="print"/>
             <a:stretch>
               <a:fillRect/>
             </a:stretch>
@@ -10301,6 +10271,36 @@
           </a:p>
         </p:txBody>
       </p:sp>
+      <p:pic>
+        <p:nvPicPr>
+          <p:cNvPr id="2" name="Imagen 1">
+            <a:extLst>
+              <a:ext uri="{FF2B5EF4-FFF2-40B4-BE49-F238E27FC236}">
+                <a16:creationId xmlns:a16="http://schemas.microsoft.com/office/drawing/2014/main" id="{79896C6C-78D2-4C79-A23F-06B8B688B61C}"/>
+              </a:ext>
+            </a:extLst>
+          </p:cNvPr>
+          <p:cNvPicPr>
+            <a:picLocks noChangeAspect="1"/>
+          </p:cNvPicPr>
+          <p:nvPr/>
+        </p:nvPicPr>
+        <p:blipFill>
+          <a:blip r:embed="rId6"/>
+          <a:stretch>
+            <a:fillRect/>
+          </a:stretch>
+        </p:blipFill>
+        <p:spPr>
+          <a:xfrm>
+            <a:off x="2763012" y="2329216"/>
+            <a:ext cx="5184141" cy="2899984"/>
+          </a:xfrm>
+          <a:prstGeom prst="rect">
+            <a:avLst/>
+          </a:prstGeom>
+        </p:spPr>
+      </p:pic>
     </p:spTree>
     <p:extLst>
       <p:ext uri="{BB962C8B-B14F-4D97-AF65-F5344CB8AC3E}">
@@ -12855,7 +12855,7 @@
                 </a:solidFill>
                 <a:cs typeface="Calibri"/>
               </a:rPr>
-              <a:t>Definir el procedimiento </a:t>
+              <a:t>Definir la función </a:t>
             </a:r>
             <a:r>
               <a:rPr lang="es-MX" sz="2400" b="1" spc="-20" dirty="0">
@@ -13056,7 +13056,7 @@
         </p:nvSpPr>
         <p:spPr bwMode="auto">
           <a:xfrm>
-            <a:off x="2371923" y="1125261"/>
+            <a:off x="2371923" y="764704"/>
             <a:ext cx="5585771" cy="896566"/>
           </a:xfrm>
           <a:prstGeom prst="rect">
@@ -15250,10 +15250,10 @@
       </p:sp>
       <p:pic>
         <p:nvPicPr>
-          <p:cNvPr id="2" name="Imagen 1">
+          <p:cNvPr id="3" name="Imagen 2">
             <a:extLst>
               <a:ext uri="{FF2B5EF4-FFF2-40B4-BE49-F238E27FC236}">
-                <a16:creationId xmlns:a16="http://schemas.microsoft.com/office/drawing/2014/main" id="{443B7529-C58D-4655-A4F0-A35D777E864B}"/>
+                <a16:creationId xmlns:a16="http://schemas.microsoft.com/office/drawing/2014/main" id="{9A1CE60C-1A28-4346-9D23-67269DA1CAD8}"/>
               </a:ext>
             </a:extLst>
           </p:cNvPr>
@@ -15270,8 +15270,8 @@
         </p:blipFill>
         <p:spPr>
           <a:xfrm>
-            <a:off x="2747770" y="2445545"/>
-            <a:ext cx="4745688" cy="1965386"/>
+            <a:off x="2782262" y="1892677"/>
+            <a:ext cx="4693322" cy="2975966"/>
           </a:xfrm>
           <a:prstGeom prst="rect">
             <a:avLst/>
@@ -17930,7 +17930,7 @@
                 </a:solidFill>
                 <a:cs typeface="Calibri"/>
               </a:rPr>
-              <a:t>Definir el procedimiento </a:t>
+              <a:t>Definir la función </a:t>
             </a:r>
             <a:r>
               <a:rPr lang="es-MX" sz="2400" b="1" spc="-20" dirty="0">
@@ -18131,7 +18131,7 @@
         </p:nvSpPr>
         <p:spPr bwMode="auto">
           <a:xfrm>
-            <a:off x="2371923" y="1125261"/>
+            <a:off x="2343912" y="857251"/>
             <a:ext cx="5585771" cy="896566"/>
           </a:xfrm>
           <a:prstGeom prst="rect">
@@ -20325,10 +20325,10 @@
       </p:sp>
       <p:pic>
         <p:nvPicPr>
-          <p:cNvPr id="2" name="Imagen 1">
+          <p:cNvPr id="3" name="Imagen 2">
             <a:extLst>
               <a:ext uri="{FF2B5EF4-FFF2-40B4-BE49-F238E27FC236}">
-                <a16:creationId xmlns:a16="http://schemas.microsoft.com/office/drawing/2014/main" id="{F6A34B6F-0940-43A2-8FCB-04D60DD5245E}"/>
+                <a16:creationId xmlns:a16="http://schemas.microsoft.com/office/drawing/2014/main" id="{EB4B4DB4-4AF0-4F38-B622-63035DAE661D}"/>
               </a:ext>
             </a:extLst>
           </p:cNvPr>
@@ -20345,8 +20345,8 @@
         </p:blipFill>
         <p:spPr>
           <a:xfrm>
-            <a:off x="2759745" y="2572192"/>
-            <a:ext cx="5621541" cy="1936927"/>
+            <a:off x="2813973" y="2239846"/>
+            <a:ext cx="5172048" cy="2596327"/>
           </a:xfrm>
           <a:prstGeom prst="rect">
             <a:avLst/>
@@ -23304,7 +23304,7 @@
                 </a:solidFill>
                 <a:cs typeface="Calibri"/>
               </a:rPr>
-              <a:t>Definir el procedimiento </a:t>
+              <a:t>Definir la función </a:t>
             </a:r>
             <a:r>
               <a:rPr lang="es-MX" sz="2400" b="1" spc="-20" dirty="0">
@@ -25787,7 +25787,7 @@
                 </a:solidFill>
                 <a:cs typeface="Calibri"/>
               </a:rPr>
-              <a:t>Definir el procedimiento </a:t>
+              <a:t>Definir la función </a:t>
             </a:r>
             <a:r>
               <a:rPr lang="es-MX" sz="2400" b="1" spc="-20" dirty="0" err="1">

--- a/CalendarioAgo20L/presentaciones/8_For.pptx
+++ b/CalendarioAgo20L/presentaciones/8_For.pptx
@@ -229,7 +229,7 @@
           <a:p>
             <a:fld id="{6850521A-C27A-4838-9C91-787748A77EFD}" type="datetimeFigureOut">
               <a:rPr lang="es-MX" smtClean="0"/>
-              <a:t>31/08/2020</a:t>
+              <a:t>06/09/2020</a:t>
             </a:fld>
             <a:endParaRPr lang="es-MX"/>
           </a:p>
@@ -1938,7 +1938,7 @@
           <a:p>
             <a:fld id="{25BC5239-EFEC-4EF5-AB4E-B8ED16D8832D}" type="datetimeFigureOut">
               <a:rPr lang="es-MX" smtClean="0"/>
-              <a:t>31/08/2020</a:t>
+              <a:t>06/09/2020</a:t>
             </a:fld>
             <a:endParaRPr lang="es-MX"/>
           </a:p>
@@ -2108,7 +2108,7 @@
           <a:p>
             <a:fld id="{25BC5239-EFEC-4EF5-AB4E-B8ED16D8832D}" type="datetimeFigureOut">
               <a:rPr lang="es-MX" smtClean="0"/>
-              <a:t>31/08/2020</a:t>
+              <a:t>06/09/2020</a:t>
             </a:fld>
             <a:endParaRPr lang="es-MX"/>
           </a:p>
@@ -2288,7 +2288,7 @@
           <a:p>
             <a:fld id="{25BC5239-EFEC-4EF5-AB4E-B8ED16D8832D}" type="datetimeFigureOut">
               <a:rPr lang="es-MX" smtClean="0"/>
-              <a:t>31/08/2020</a:t>
+              <a:t>06/09/2020</a:t>
             </a:fld>
             <a:endParaRPr lang="es-MX"/>
           </a:p>
@@ -2669,7 +2669,7 @@
           <a:p>
             <a:fld id="{1D8BD707-D9CF-40AE-B4C6-C98DA3205C09}" type="datetimeFigureOut">
               <a:rPr lang="en-US" smtClean="0"/>
-              <a:t>8/31/2020</a:t>
+              <a:t>9/6/2020</a:t>
             </a:fld>
             <a:endParaRPr lang="en-US"/>
           </a:p>
@@ -2829,7 +2829,7 @@
           <a:p>
             <a:fld id="{25BC5239-EFEC-4EF5-AB4E-B8ED16D8832D}" type="datetimeFigureOut">
               <a:rPr lang="es-MX" smtClean="0"/>
-              <a:t>31/08/2020</a:t>
+              <a:t>06/09/2020</a:t>
             </a:fld>
             <a:endParaRPr lang="es-MX"/>
           </a:p>
@@ -3075,7 +3075,7 @@
           <a:p>
             <a:fld id="{25BC5239-EFEC-4EF5-AB4E-B8ED16D8832D}" type="datetimeFigureOut">
               <a:rPr lang="es-MX" smtClean="0"/>
-              <a:t>31/08/2020</a:t>
+              <a:t>06/09/2020</a:t>
             </a:fld>
             <a:endParaRPr lang="es-MX"/>
           </a:p>
@@ -3363,7 +3363,7 @@
           <a:p>
             <a:fld id="{25BC5239-EFEC-4EF5-AB4E-B8ED16D8832D}" type="datetimeFigureOut">
               <a:rPr lang="es-MX" smtClean="0"/>
-              <a:t>31/08/2020</a:t>
+              <a:t>06/09/2020</a:t>
             </a:fld>
             <a:endParaRPr lang="es-MX"/>
           </a:p>
@@ -3785,7 +3785,7 @@
           <a:p>
             <a:fld id="{25BC5239-EFEC-4EF5-AB4E-B8ED16D8832D}" type="datetimeFigureOut">
               <a:rPr lang="es-MX" smtClean="0"/>
-              <a:t>31/08/2020</a:t>
+              <a:t>06/09/2020</a:t>
             </a:fld>
             <a:endParaRPr lang="es-MX"/>
           </a:p>
@@ -3903,7 +3903,7 @@
           <a:p>
             <a:fld id="{25BC5239-EFEC-4EF5-AB4E-B8ED16D8832D}" type="datetimeFigureOut">
               <a:rPr lang="es-MX" smtClean="0"/>
-              <a:t>31/08/2020</a:t>
+              <a:t>06/09/2020</a:t>
             </a:fld>
             <a:endParaRPr lang="es-MX"/>
           </a:p>
@@ -3998,7 +3998,7 @@
           <a:p>
             <a:fld id="{25BC5239-EFEC-4EF5-AB4E-B8ED16D8832D}" type="datetimeFigureOut">
               <a:rPr lang="es-MX" smtClean="0"/>
-              <a:t>31/08/2020</a:t>
+              <a:t>06/09/2020</a:t>
             </a:fld>
             <a:endParaRPr lang="es-MX"/>
           </a:p>
@@ -4275,7 +4275,7 @@
           <a:p>
             <a:fld id="{25BC5239-EFEC-4EF5-AB4E-B8ED16D8832D}" type="datetimeFigureOut">
               <a:rPr lang="es-MX" smtClean="0"/>
-              <a:t>31/08/2020</a:t>
+              <a:t>06/09/2020</a:t>
             </a:fld>
             <a:endParaRPr lang="es-MX"/>
           </a:p>
@@ -4528,7 +4528,7 @@
           <a:p>
             <a:fld id="{25BC5239-EFEC-4EF5-AB4E-B8ED16D8832D}" type="datetimeFigureOut">
               <a:rPr lang="es-MX" smtClean="0"/>
-              <a:t>31/08/2020</a:t>
+              <a:t>06/09/2020</a:t>
             </a:fld>
             <a:endParaRPr lang="es-MX"/>
           </a:p>
@@ -4741,7 +4741,7 @@
           <a:p>
             <a:fld id="{25BC5239-EFEC-4EF5-AB4E-B8ED16D8832D}" type="datetimeFigureOut">
               <a:rPr lang="es-MX" smtClean="0"/>
-              <a:t>31/08/2020</a:t>
+              <a:t>06/09/2020</a:t>
             </a:fld>
             <a:endParaRPr lang="es-MX"/>
           </a:p>
@@ -29370,6 +29370,36 @@
           <a:chExt cx="0" cy="0"/>
         </a:xfrm>
       </p:grpSpPr>
+      <p:pic>
+        <p:nvPicPr>
+          <p:cNvPr id="3" name="Imagen 2">
+            <a:extLst>
+              <a:ext uri="{FF2B5EF4-FFF2-40B4-BE49-F238E27FC236}">
+                <a16:creationId xmlns:a16="http://schemas.microsoft.com/office/drawing/2014/main" id="{B6772D5F-DCF2-4AC6-9B5F-391A86ACA701}"/>
+              </a:ext>
+            </a:extLst>
+          </p:cNvPr>
+          <p:cNvPicPr>
+            <a:picLocks noChangeAspect="1"/>
+          </p:cNvPicPr>
+          <p:nvPr/>
+        </p:nvPicPr>
+        <p:blipFill>
+          <a:blip r:embed="rId3"/>
+          <a:stretch>
+            <a:fillRect/>
+          </a:stretch>
+        </p:blipFill>
+        <p:spPr>
+          <a:xfrm>
+            <a:off x="1331640" y="1242864"/>
+            <a:ext cx="6705600" cy="5133975"/>
+          </a:xfrm>
+          <a:prstGeom prst="rect">
+            <a:avLst/>
+          </a:prstGeom>
+        </p:spPr>
+      </p:pic>
       <p:sp>
         <p:nvSpPr>
           <p:cNvPr id="5" name="Rectangle 2"/>
@@ -29465,36 +29495,6 @@
           </a:p>
         </p:txBody>
       </p:sp>
-      <p:pic>
-        <p:nvPicPr>
-          <p:cNvPr id="2" name="Imagen 1">
-            <a:extLst>
-              <a:ext uri="{FF2B5EF4-FFF2-40B4-BE49-F238E27FC236}">
-                <a16:creationId xmlns:a16="http://schemas.microsoft.com/office/drawing/2014/main" id="{B8F137A8-FFBA-4BEC-844F-94C36134EBD7}"/>
-              </a:ext>
-            </a:extLst>
-          </p:cNvPr>
-          <p:cNvPicPr>
-            <a:picLocks noChangeAspect="1"/>
-          </p:cNvPicPr>
-          <p:nvPr/>
-        </p:nvPicPr>
-        <p:blipFill>
-          <a:blip r:embed="rId3"/>
-          <a:stretch>
-            <a:fillRect/>
-          </a:stretch>
-        </p:blipFill>
-        <p:spPr>
-          <a:xfrm>
-            <a:off x="1187624" y="1052736"/>
-            <a:ext cx="7248525" cy="5638800"/>
-          </a:xfrm>
-          <a:prstGeom prst="rect">
-            <a:avLst/>
-          </a:prstGeom>
-        </p:spPr>
-      </p:pic>
       <p:pic>
         <p:nvPicPr>
           <p:cNvPr id="17" name="Imagen 16">
@@ -29561,6 +29561,36 @@
           <a:chExt cx="0" cy="0"/>
         </a:xfrm>
       </p:grpSpPr>
+      <p:pic>
+        <p:nvPicPr>
+          <p:cNvPr id="4" name="Imagen 3">
+            <a:extLst>
+              <a:ext uri="{FF2B5EF4-FFF2-40B4-BE49-F238E27FC236}">
+                <a16:creationId xmlns:a16="http://schemas.microsoft.com/office/drawing/2014/main" id="{39EF874D-47E2-47BC-8392-21196A7B1297}"/>
+              </a:ext>
+            </a:extLst>
+          </p:cNvPr>
+          <p:cNvPicPr>
+            <a:picLocks noChangeAspect="1"/>
+          </p:cNvPicPr>
+          <p:nvPr/>
+        </p:nvPicPr>
+        <p:blipFill>
+          <a:blip r:embed="rId3"/>
+          <a:stretch>
+            <a:fillRect/>
+          </a:stretch>
+        </p:blipFill>
+        <p:spPr>
+          <a:xfrm>
+            <a:off x="1619672" y="1370832"/>
+            <a:ext cx="6600825" cy="5124450"/>
+          </a:xfrm>
+          <a:prstGeom prst="rect">
+            <a:avLst/>
+          </a:prstGeom>
+        </p:spPr>
+      </p:pic>
       <p:sp>
         <p:nvSpPr>
           <p:cNvPr id="5" name="Rectangle 2"/>
@@ -29656,36 +29686,6 @@
           </a:p>
         </p:txBody>
       </p:sp>
-      <p:pic>
-        <p:nvPicPr>
-          <p:cNvPr id="3" name="Imagen 2">
-            <a:extLst>
-              <a:ext uri="{FF2B5EF4-FFF2-40B4-BE49-F238E27FC236}">
-                <a16:creationId xmlns:a16="http://schemas.microsoft.com/office/drawing/2014/main" id="{068638AF-CCA4-49D4-A095-3C1750DFABC5}"/>
-              </a:ext>
-            </a:extLst>
-          </p:cNvPr>
-          <p:cNvPicPr>
-            <a:picLocks noChangeAspect="1"/>
-          </p:cNvPicPr>
-          <p:nvPr/>
-        </p:nvPicPr>
-        <p:blipFill>
-          <a:blip r:embed="rId3"/>
-          <a:stretch>
-            <a:fillRect/>
-          </a:stretch>
-        </p:blipFill>
-        <p:spPr>
-          <a:xfrm>
-            <a:off x="1619672" y="1328081"/>
-            <a:ext cx="6549654" cy="5209952"/>
-          </a:xfrm>
-          <a:prstGeom prst="rect">
-            <a:avLst/>
-          </a:prstGeom>
-        </p:spPr>
-      </p:pic>
       <p:pic>
         <p:nvPicPr>
           <p:cNvPr id="7" name="Imagen 6">
